--- a/决胜spring源码ppt/14 IOC容器的操作方式.pptx
+++ b/决胜spring源码ppt/14 IOC容器的操作方式.pptx
@@ -3021,6 +3021,30 @@
           <a:chExt cx="0" cy="0"/>
         </a:xfrm>
       </p:grpSpPr>
+      <p:pic>
+        <p:nvPicPr>
+          <p:cNvPr id="2" name="图片 1"/>
+          <p:cNvPicPr>
+            <a:picLocks noChangeAspect="1"/>
+          </p:cNvPicPr>
+          <p:nvPr/>
+        </p:nvPicPr>
+        <p:blipFill>
+          <a:blip r:embed="rId2"/>
+          <a:stretch>
+            <a:fillRect/>
+          </a:stretch>
+        </p:blipFill>
+        <p:spPr>
+          <a:xfrm>
+            <a:off x="1931831" y="1048671"/>
+            <a:ext cx="8061236" cy="4639230"/>
+          </a:xfrm>
+          <a:prstGeom prst="rect">
+            <a:avLst/>
+          </a:prstGeom>
+        </p:spPr>
+      </p:pic>
     </p:spTree>
     <p:extLst>
       <p:ext uri="{BB962C8B-B14F-4D97-AF65-F5344CB8AC3E}">
@@ -3051,6 +3075,30 @@
           <a:chExt cx="0" cy="0"/>
         </a:xfrm>
       </p:grpSpPr>
+      <p:pic>
+        <p:nvPicPr>
+          <p:cNvPr id="2" name="图片 1"/>
+          <p:cNvPicPr>
+            <a:picLocks noChangeAspect="1"/>
+          </p:cNvPicPr>
+          <p:nvPr/>
+        </p:nvPicPr>
+        <p:blipFill>
+          <a:blip r:embed="rId2"/>
+          <a:stretch>
+            <a:fillRect/>
+          </a:stretch>
+        </p:blipFill>
+        <p:spPr>
+          <a:xfrm>
+            <a:off x="1558344" y="890005"/>
+            <a:ext cx="8309623" cy="4669107"/>
+          </a:xfrm>
+          <a:prstGeom prst="rect">
+            <a:avLst/>
+          </a:prstGeom>
+        </p:spPr>
+      </p:pic>
     </p:spTree>
     <p:extLst>
       <p:ext uri="{BB962C8B-B14F-4D97-AF65-F5344CB8AC3E}">
@@ -3081,6 +3129,88 @@
           <a:chExt cx="0" cy="0"/>
         </a:xfrm>
       </p:grpSpPr>
+      <p:pic>
+        <p:nvPicPr>
+          <p:cNvPr id="2" name="图片 1"/>
+          <p:cNvPicPr>
+            <a:picLocks noChangeAspect="1"/>
+          </p:cNvPicPr>
+          <p:nvPr/>
+        </p:nvPicPr>
+        <p:blipFill>
+          <a:blip r:embed="rId2"/>
+          <a:stretch>
+            <a:fillRect/>
+          </a:stretch>
+        </p:blipFill>
+        <p:spPr>
+          <a:xfrm>
+            <a:off x="2620247" y="667823"/>
+            <a:ext cx="6848475" cy="3848100"/>
+          </a:xfrm>
+          <a:prstGeom prst="rect">
+            <a:avLst/>
+          </a:prstGeom>
+        </p:spPr>
+      </p:pic>
+      <p:sp>
+        <p:nvSpPr>
+          <p:cNvPr id="3" name="文本框 2"/>
+          <p:cNvSpPr txBox="1"/>
+          <p:nvPr/>
+        </p:nvSpPr>
+        <p:spPr>
+          <a:xfrm>
+            <a:off x="2833352" y="5138670"/>
+            <a:ext cx="5694188" cy="369332"/>
+          </a:xfrm>
+          <a:prstGeom prst="rect">
+            <a:avLst/>
+          </a:prstGeom>
+          <a:noFill/>
+        </p:spPr>
+        <p:txBody>
+          <a:bodyPr wrap="none" rtlCol="0">
+            <a:spAutoFit/>
+          </a:bodyPr>
+          <a:lstStyle/>
+          <a:p>
+            <a:r>
+              <a:rPr lang="en-US" altLang="zh-CN" dirty="0" smtClean="0"/>
+              <a:t>request</a:t>
+            </a:r>
+            <a:r>
+              <a:rPr lang="zh-CN" altLang="en-US" dirty="0" smtClean="0"/>
+              <a:t>、</a:t>
+            </a:r>
+            <a:r>
+              <a:rPr lang="en-US" altLang="zh-CN" dirty="0" smtClean="0"/>
+              <a:t>session</a:t>
+            </a:r>
+            <a:r>
+              <a:rPr lang="zh-CN" altLang="en-US" dirty="0" smtClean="0"/>
+              <a:t>、</a:t>
+            </a:r>
+            <a:r>
+              <a:rPr lang="en-US" altLang="zh-CN" dirty="0" err="1" smtClean="0"/>
+              <a:t>globalsession</a:t>
+            </a:r>
+            <a:r>
+              <a:rPr lang="zh-CN" altLang="en-US" dirty="0" smtClean="0"/>
+              <a:t>都只有在</a:t>
+            </a:r>
+            <a:r>
+              <a:rPr lang="en-US" altLang="zh-CN" dirty="0" smtClean="0"/>
+              <a:t>web</a:t>
+            </a:r>
+            <a:r>
+              <a:rPr lang="zh-CN" altLang="en-US" dirty="0" smtClean="0"/>
+              <a:t>下才有效</a:t>
+            </a:r>
+            <a:endParaRPr lang="zh-CN" altLang="en-US" dirty="0"/>
+          </a:p>
+        </p:txBody>
+      </p:sp>
     </p:spTree>
     <p:extLst>
       <p:ext uri="{BB962C8B-B14F-4D97-AF65-F5344CB8AC3E}">
